--- a/Learning Phase/Week 1/Day-5/1. Java NIO and NIO2/Slides/2. Creating Channels with NIO/creating-channels-with-nio-slides.pptx
+++ b/Learning Phase/Week 1/Day-5/1. Java NIO and NIO2/Slides/2. Creating Channels with NIO/creating-channels-with-nio-slides.pptx
@@ -267,7 +267,7 @@
           <a:p>
             <a:fld id="{3EFD42F7-718C-4B98-AAEC-167E6DDD60A7}" type="datetimeFigureOut">
               <a:rPr lang="en-US" smtClean="0"/>
-              <a:t>11/21/2024</a:t>
+              <a:t>12/3/2024</a:t>
             </a:fld>
             <a:endParaRPr lang="en-US"/>
           </a:p>
@@ -668,7 +668,7 @@
           <a:p>
             <a:fld id="{1D8BD707-D9CF-40AE-B4C6-C98DA3205C09}" type="datetimeFigureOut">
               <a:rPr lang="en-US"/>
-              <a:t>11/21/2024</a:t>
+              <a:t>12/3/2024</a:t>
             </a:fld>
             <a:endParaRPr lang="en-US"/>
           </a:p>
@@ -841,7 +841,7 @@
           <a:p>
             <a:fld id="{1D8BD707-D9CF-40AE-B4C6-C98DA3205C09}" type="datetimeFigureOut">
               <a:rPr lang="en-US"/>
-              <a:t>11/21/2024</a:t>
+              <a:t>12/3/2024</a:t>
             </a:fld>
             <a:endParaRPr lang="en-US"/>
           </a:p>
@@ -1057,7 +1057,7 @@
           <a:p>
             <a:fld id="{1D8BD707-D9CF-40AE-B4C6-C98DA3205C09}" type="datetimeFigureOut">
               <a:rPr lang="en-US"/>
-              <a:t>11/21/2024</a:t>
+              <a:t>12/3/2024</a:t>
             </a:fld>
             <a:endParaRPr lang="en-US"/>
           </a:p>
@@ -1621,7 +1621,7 @@
           <a:p>
             <a:fld id="{1D8BD707-D9CF-40AE-B4C6-C98DA3205C09}" type="datetimeFigureOut">
               <a:rPr lang="en-US"/>
-              <a:t>11/21/2024</a:t>
+              <a:t>12/3/2024</a:t>
             </a:fld>
             <a:endParaRPr lang="en-US"/>
           </a:p>
@@ -1742,7 +1742,7 @@
           <a:p>
             <a:fld id="{1D8BD707-D9CF-40AE-B4C6-C98DA3205C09}" type="datetimeFigureOut">
               <a:rPr lang="en-US"/>
-              <a:t>11/21/2024</a:t>
+              <a:t>12/3/2024</a:t>
             </a:fld>
             <a:endParaRPr lang="en-US"/>
           </a:p>
@@ -1963,7 +1963,7 @@
           <a:p>
             <a:fld id="{1D8BD707-D9CF-40AE-B4C6-C98DA3205C09}" type="datetimeFigureOut">
               <a:rPr lang="en-US"/>
-              <a:t>11/21/2024</a:t>
+              <a:t>12/3/2024</a:t>
             </a:fld>
             <a:endParaRPr lang="en-US"/>
           </a:p>
@@ -5441,65 +5441,28 @@
           </p:spPr>
         </p:pic>
       </p:grpSp>
-      <p:grpSp>
-        <p:nvGrpSpPr>
-          <p:cNvPr id="24" name="object 24"/>
-          <p:cNvGrpSpPr/>
-          <p:nvPr/>
-        </p:nvGrpSpPr>
-        <p:grpSpPr>
-          <a:xfrm>
-            <a:off x="2082673" y="2873705"/>
-            <a:ext cx="2422525" cy="1097915"/>
-            <a:chOff x="2082673" y="2873705"/>
-            <a:chExt cx="2422525" cy="1097915"/>
-          </a:xfrm>
-        </p:grpSpPr>
-        <p:pic>
-          <p:nvPicPr>
-            <p:cNvPr id="25" name="object 25"/>
-            <p:cNvPicPr/>
-            <p:nvPr/>
-          </p:nvPicPr>
-          <p:blipFill>
-            <a:blip r:embed="rId19" cstate="print"/>
-            <a:stretch>
-              <a:fillRect/>
-            </a:stretch>
-          </p:blipFill>
-          <p:spPr>
-            <a:xfrm>
-              <a:off x="2590165" y="2873705"/>
-              <a:ext cx="1914525" cy="548944"/>
-            </a:xfrm>
-            <a:prstGeom prst="rect">
-              <a:avLst/>
-            </a:prstGeom>
-          </p:spPr>
-        </p:pic>
-        <p:pic>
-          <p:nvPicPr>
-            <p:cNvPr id="26" name="object 26"/>
-            <p:cNvPicPr/>
-            <p:nvPr/>
-          </p:nvPicPr>
-          <p:blipFill>
-            <a:blip r:embed="rId20" cstate="print"/>
-            <a:stretch>
-              <a:fillRect/>
-            </a:stretch>
-          </p:blipFill>
-          <p:spPr>
-            <a:xfrm>
-              <a:off x="2082673" y="3422904"/>
-              <a:ext cx="2304669" cy="548640"/>
-            </a:xfrm>
-            <a:prstGeom prst="rect">
-              <a:avLst/>
-            </a:prstGeom>
-          </p:spPr>
-        </p:pic>
-      </p:grpSp>
+      <p:pic>
+        <p:nvPicPr>
+          <p:cNvPr id="26" name="object 26"/>
+          <p:cNvPicPr/>
+          <p:nvPr/>
+        </p:nvPicPr>
+        <p:blipFill>
+          <a:blip r:embed="rId19" cstate="print"/>
+          <a:stretch>
+            <a:fillRect/>
+          </a:stretch>
+        </p:blipFill>
+        <p:spPr>
+          <a:xfrm>
+            <a:off x="2082673" y="3422904"/>
+            <a:ext cx="2304669" cy="548640"/>
+          </a:xfrm>
+          <a:prstGeom prst="rect">
+            <a:avLst/>
+          </a:prstGeom>
+        </p:spPr>
+      </p:pic>
       <p:sp>
         <p:nvSpPr>
           <p:cNvPr id="27" name="Slide Number Placeholder 26"/>
